--- a/LF11 Meier Präsentation TP Link 706W .pptx
+++ b/LF11 Meier Präsentation TP Link 706W .pptx
@@ -4,6 +4,9 @@
   <p:sldMasterIdLst>
     <p:sldMasterId id="2147483648" r:id="rId1"/>
   </p:sldMasterIdLst>
+  <p:notesMasterIdLst>
+    <p:notesMasterId r:id="rId15"/>
+  </p:notesMasterIdLst>
   <p:sldIdLst>
     <p:sldId id="256" r:id="rId2"/>
     <p:sldId id="257" r:id="rId3"/>
@@ -138,8 +141,361 @@
         </p14:section>
       </p14:sectionLst>
     </p:ext>
+    <p:ext uri="{EFAFB233-063F-42B5-8137-9DF3F51BA10A}">
+      <p15:sldGuideLst xmlns:p15="http://schemas.microsoft.com/office/powerpoint/2012/main"/>
+    </p:ext>
   </p:extLst>
 </p:presentation>
+</file>
+
+<file path=ppt/notesMasters/notesMaster1.xml><?xml version="1.0" encoding="utf-8"?>
+<p:notesMaster xmlns:a="http://schemas.openxmlformats.org/drawingml/2006/main" xmlns:r="http://schemas.openxmlformats.org/officeDocument/2006/relationships" xmlns:p="http://schemas.openxmlformats.org/presentationml/2006/main">
+  <p:cSld>
+    <p:bg>
+      <p:bgRef idx="1001">
+        <a:schemeClr val="bg1"/>
+      </p:bgRef>
+    </p:bg>
+    <p:spTree>
+      <p:nvGrpSpPr>
+        <p:cNvPr id="1" name=""/>
+        <p:cNvGrpSpPr/>
+        <p:nvPr/>
+      </p:nvGrpSpPr>
+      <p:grpSpPr>
+        <a:xfrm>
+          <a:off x="0" y="0"/>
+          <a:ext cx="0" cy="0"/>
+          <a:chOff x="0" y="0"/>
+          <a:chExt cx="0" cy="0"/>
+        </a:xfrm>
+      </p:grpSpPr>
+      <p:sp>
+        <p:nvSpPr>
+          <p:cNvPr id="2" name="Kopfzeilenplatzhalter 1"/>
+          <p:cNvSpPr>
+            <a:spLocks noGrp="1"/>
+          </p:cNvSpPr>
+          <p:nvPr>
+            <p:ph type="hdr" sz="quarter"/>
+          </p:nvPr>
+        </p:nvSpPr>
+        <p:spPr>
+          <a:xfrm>
+            <a:off x="0" y="0"/>
+            <a:ext cx="2971800" cy="458788"/>
+          </a:xfrm>
+          <a:prstGeom prst="rect">
+            <a:avLst/>
+          </a:prstGeom>
+        </p:spPr>
+        <p:txBody>
+          <a:bodyPr vert="horz" lIns="91440" tIns="45720" rIns="91440" bIns="45720" rtlCol="0"/>
+          <a:lstStyle>
+            <a:lvl1pPr algn="l">
+              <a:defRPr sz="1200"/>
+            </a:lvl1pPr>
+          </a:lstStyle>
+          <a:p>
+            <a:endParaRPr lang="de-BE"/>
+          </a:p>
+        </p:txBody>
+      </p:sp>
+      <p:sp>
+        <p:nvSpPr>
+          <p:cNvPr id="3" name="Datumsplatzhalter 2"/>
+          <p:cNvSpPr>
+            <a:spLocks noGrp="1"/>
+          </p:cNvSpPr>
+          <p:nvPr>
+            <p:ph type="dt" idx="1"/>
+          </p:nvPr>
+        </p:nvSpPr>
+        <p:spPr>
+          <a:xfrm>
+            <a:off x="3884613" y="0"/>
+            <a:ext cx="2971800" cy="458788"/>
+          </a:xfrm>
+          <a:prstGeom prst="rect">
+            <a:avLst/>
+          </a:prstGeom>
+        </p:spPr>
+        <p:txBody>
+          <a:bodyPr vert="horz" lIns="91440" tIns="45720" rIns="91440" bIns="45720" rtlCol="0"/>
+          <a:lstStyle>
+            <a:lvl1pPr algn="r">
+              <a:defRPr sz="1200"/>
+            </a:lvl1pPr>
+          </a:lstStyle>
+          <a:p>
+            <a:fld id="{5FBBD9DF-3BD8-4C7D-9A3A-92AB7DC71802}" type="datetimeFigureOut">
+              <a:rPr lang="de-BE" smtClean="0"/>
+              <a:t>19.12.2025</a:t>
+            </a:fld>
+            <a:endParaRPr lang="de-BE"/>
+          </a:p>
+        </p:txBody>
+      </p:sp>
+      <p:sp>
+        <p:nvSpPr>
+          <p:cNvPr id="4" name="Folienbildplatzhalter 3"/>
+          <p:cNvSpPr>
+            <a:spLocks noGrp="1" noRot="1" noChangeAspect="1"/>
+          </p:cNvSpPr>
+          <p:nvPr>
+            <p:ph type="sldImg" idx="2"/>
+          </p:nvPr>
+        </p:nvSpPr>
+        <p:spPr>
+          <a:xfrm>
+            <a:off x="685800" y="1143000"/>
+            <a:ext cx="5486400" cy="3086100"/>
+          </a:xfrm>
+          <a:prstGeom prst="rect">
+            <a:avLst/>
+          </a:prstGeom>
+          <a:noFill/>
+          <a:ln w="12700">
+            <a:solidFill>
+              <a:prstClr val="black"/>
+            </a:solidFill>
+          </a:ln>
+        </p:spPr>
+        <p:txBody>
+          <a:bodyPr vert="horz" lIns="91440" tIns="45720" rIns="91440" bIns="45720" rtlCol="0" anchor="ctr"/>
+          <a:lstStyle/>
+          <a:p>
+            <a:endParaRPr lang="de-BE"/>
+          </a:p>
+        </p:txBody>
+      </p:sp>
+      <p:sp>
+        <p:nvSpPr>
+          <p:cNvPr id="5" name="Notizenplatzhalter 4"/>
+          <p:cNvSpPr>
+            <a:spLocks noGrp="1"/>
+          </p:cNvSpPr>
+          <p:nvPr>
+            <p:ph type="body" sz="quarter" idx="3"/>
+          </p:nvPr>
+        </p:nvSpPr>
+        <p:spPr>
+          <a:xfrm>
+            <a:off x="685800" y="4400550"/>
+            <a:ext cx="5486400" cy="3600450"/>
+          </a:xfrm>
+          <a:prstGeom prst="rect">
+            <a:avLst/>
+          </a:prstGeom>
+        </p:spPr>
+        <p:txBody>
+          <a:bodyPr vert="horz" lIns="91440" tIns="45720" rIns="91440" bIns="45720" rtlCol="0"/>
+          <a:lstStyle/>
+          <a:p>
+            <a:pPr lvl="0"/>
+            <a:r>
+              <a:rPr lang="de-DE"/>
+              <a:t>Mastertextformat bearbeiten</a:t>
+            </a:r>
+          </a:p>
+          <a:p>
+            <a:pPr lvl="1"/>
+            <a:r>
+              <a:rPr lang="de-DE"/>
+              <a:t>Zweite Ebene</a:t>
+            </a:r>
+          </a:p>
+          <a:p>
+            <a:pPr lvl="2"/>
+            <a:r>
+              <a:rPr lang="de-DE"/>
+              <a:t>Dritte Ebene</a:t>
+            </a:r>
+          </a:p>
+          <a:p>
+            <a:pPr lvl="3"/>
+            <a:r>
+              <a:rPr lang="de-DE"/>
+              <a:t>Vierte Ebene</a:t>
+            </a:r>
+          </a:p>
+          <a:p>
+            <a:pPr lvl="4"/>
+            <a:r>
+              <a:rPr lang="de-DE"/>
+              <a:t>Fünfte Ebene</a:t>
+            </a:r>
+            <a:endParaRPr lang="de-BE"/>
+          </a:p>
+        </p:txBody>
+      </p:sp>
+      <p:sp>
+        <p:nvSpPr>
+          <p:cNvPr id="6" name="Fußzeilenplatzhalter 5"/>
+          <p:cNvSpPr>
+            <a:spLocks noGrp="1"/>
+          </p:cNvSpPr>
+          <p:nvPr>
+            <p:ph type="ftr" sz="quarter" idx="4"/>
+          </p:nvPr>
+        </p:nvSpPr>
+        <p:spPr>
+          <a:xfrm>
+            <a:off x="0" y="8685213"/>
+            <a:ext cx="2971800" cy="458787"/>
+          </a:xfrm>
+          <a:prstGeom prst="rect">
+            <a:avLst/>
+          </a:prstGeom>
+        </p:spPr>
+        <p:txBody>
+          <a:bodyPr vert="horz" lIns="91440" tIns="45720" rIns="91440" bIns="45720" rtlCol="0" anchor="b"/>
+          <a:lstStyle>
+            <a:lvl1pPr algn="l">
+              <a:defRPr sz="1200"/>
+            </a:lvl1pPr>
+          </a:lstStyle>
+          <a:p>
+            <a:endParaRPr lang="de-BE"/>
+          </a:p>
+        </p:txBody>
+      </p:sp>
+      <p:sp>
+        <p:nvSpPr>
+          <p:cNvPr id="7" name="Foliennummernplatzhalter 6"/>
+          <p:cNvSpPr>
+            <a:spLocks noGrp="1"/>
+          </p:cNvSpPr>
+          <p:nvPr>
+            <p:ph type="sldNum" sz="quarter" idx="5"/>
+          </p:nvPr>
+        </p:nvSpPr>
+        <p:spPr>
+          <a:xfrm>
+            <a:off x="3884613" y="8685213"/>
+            <a:ext cx="2971800" cy="458787"/>
+          </a:xfrm>
+          <a:prstGeom prst="rect">
+            <a:avLst/>
+          </a:prstGeom>
+        </p:spPr>
+        <p:txBody>
+          <a:bodyPr vert="horz" lIns="91440" tIns="45720" rIns="91440" bIns="45720" rtlCol="0" anchor="b"/>
+          <a:lstStyle>
+            <a:lvl1pPr algn="r">
+              <a:defRPr sz="1200"/>
+            </a:lvl1pPr>
+          </a:lstStyle>
+          <a:p>
+            <a:fld id="{BAF44E46-57E5-4DEC-B808-EF31442F10EF}" type="slidenum">
+              <a:rPr lang="de-BE" smtClean="0"/>
+              <a:t>‹Nr.›</a:t>
+            </a:fld>
+            <a:endParaRPr lang="de-BE"/>
+          </a:p>
+        </p:txBody>
+      </p:sp>
+    </p:spTree>
+    <p:extLst>
+      <p:ext uri="{BB962C8B-B14F-4D97-AF65-F5344CB8AC3E}">
+        <p14:creationId xmlns:p14="http://schemas.microsoft.com/office/powerpoint/2010/main" val="710802504"/>
+      </p:ext>
+    </p:extLst>
+  </p:cSld>
+  <p:clrMap bg1="lt1" tx1="dk1" bg2="lt2" tx2="dk2" accent1="accent1" accent2="accent2" accent3="accent3" accent4="accent4" accent5="accent5" accent6="accent6" hlink="hlink" folHlink="folHlink"/>
+  <p:notesStyle>
+    <a:lvl1pPr marL="0" algn="l" defTabSz="914400" rtl="0" eaLnBrk="1" latinLnBrk="0" hangingPunct="1">
+      <a:defRPr sz="1200" kern="1200">
+        <a:solidFill>
+          <a:schemeClr val="tx1"/>
+        </a:solidFill>
+        <a:latin typeface="+mn-lt"/>
+        <a:ea typeface="+mn-ea"/>
+        <a:cs typeface="+mn-cs"/>
+      </a:defRPr>
+    </a:lvl1pPr>
+    <a:lvl2pPr marL="457200" algn="l" defTabSz="914400" rtl="0" eaLnBrk="1" latinLnBrk="0" hangingPunct="1">
+      <a:defRPr sz="1200" kern="1200">
+        <a:solidFill>
+          <a:schemeClr val="tx1"/>
+        </a:solidFill>
+        <a:latin typeface="+mn-lt"/>
+        <a:ea typeface="+mn-ea"/>
+        <a:cs typeface="+mn-cs"/>
+      </a:defRPr>
+    </a:lvl2pPr>
+    <a:lvl3pPr marL="914400" algn="l" defTabSz="914400" rtl="0" eaLnBrk="1" latinLnBrk="0" hangingPunct="1">
+      <a:defRPr sz="1200" kern="1200">
+        <a:solidFill>
+          <a:schemeClr val="tx1"/>
+        </a:solidFill>
+        <a:latin typeface="+mn-lt"/>
+        <a:ea typeface="+mn-ea"/>
+        <a:cs typeface="+mn-cs"/>
+      </a:defRPr>
+    </a:lvl3pPr>
+    <a:lvl4pPr marL="1371600" algn="l" defTabSz="914400" rtl="0" eaLnBrk="1" latinLnBrk="0" hangingPunct="1">
+      <a:defRPr sz="1200" kern="1200">
+        <a:solidFill>
+          <a:schemeClr val="tx1"/>
+        </a:solidFill>
+        <a:latin typeface="+mn-lt"/>
+        <a:ea typeface="+mn-ea"/>
+        <a:cs typeface="+mn-cs"/>
+      </a:defRPr>
+    </a:lvl4pPr>
+    <a:lvl5pPr marL="1828800" algn="l" defTabSz="914400" rtl="0" eaLnBrk="1" latinLnBrk="0" hangingPunct="1">
+      <a:defRPr sz="1200" kern="1200">
+        <a:solidFill>
+          <a:schemeClr val="tx1"/>
+        </a:solidFill>
+        <a:latin typeface="+mn-lt"/>
+        <a:ea typeface="+mn-ea"/>
+        <a:cs typeface="+mn-cs"/>
+      </a:defRPr>
+    </a:lvl5pPr>
+    <a:lvl6pPr marL="2286000" algn="l" defTabSz="914400" rtl="0" eaLnBrk="1" latinLnBrk="0" hangingPunct="1">
+      <a:defRPr sz="1200" kern="1200">
+        <a:solidFill>
+          <a:schemeClr val="tx1"/>
+        </a:solidFill>
+        <a:latin typeface="+mn-lt"/>
+        <a:ea typeface="+mn-ea"/>
+        <a:cs typeface="+mn-cs"/>
+      </a:defRPr>
+    </a:lvl6pPr>
+    <a:lvl7pPr marL="2743200" algn="l" defTabSz="914400" rtl="0" eaLnBrk="1" latinLnBrk="0" hangingPunct="1">
+      <a:defRPr sz="1200" kern="1200">
+        <a:solidFill>
+          <a:schemeClr val="tx1"/>
+        </a:solidFill>
+        <a:latin typeface="+mn-lt"/>
+        <a:ea typeface="+mn-ea"/>
+        <a:cs typeface="+mn-cs"/>
+      </a:defRPr>
+    </a:lvl7pPr>
+    <a:lvl8pPr marL="3200400" algn="l" defTabSz="914400" rtl="0" eaLnBrk="1" latinLnBrk="0" hangingPunct="1">
+      <a:defRPr sz="1200" kern="1200">
+        <a:solidFill>
+          <a:schemeClr val="tx1"/>
+        </a:solidFill>
+        <a:latin typeface="+mn-lt"/>
+        <a:ea typeface="+mn-ea"/>
+        <a:cs typeface="+mn-cs"/>
+      </a:defRPr>
+    </a:lvl8pPr>
+    <a:lvl9pPr marL="3657600" algn="l" defTabSz="914400" rtl="0" eaLnBrk="1" latinLnBrk="0" hangingPunct="1">
+      <a:defRPr sz="1200" kern="1200">
+        <a:solidFill>
+          <a:schemeClr val="tx1"/>
+        </a:solidFill>
+        <a:latin typeface="+mn-lt"/>
+        <a:ea typeface="+mn-ea"/>
+        <a:cs typeface="+mn-cs"/>
+      </a:defRPr>
+    </a:lvl9pPr>
+  </p:notesStyle>
+</p:notesMaster>
 </file>
 
 <file path=ppt/slideLayouts/slideLayout1.xml><?xml version="1.0" encoding="utf-8"?>
@@ -289,9 +645,9 @@
           <a:bodyPr/>
           <a:lstStyle/>
           <a:p>
-            <a:fld id="{901B871C-5DD3-42C7-94DC-7EECA41E3E3B}" type="datetimeFigureOut">
+            <a:fld id="{AF3CCDED-194C-4544-BE75-019E6FF802A0}" type="datetime1">
               <a:rPr lang="de-BE" smtClean="0"/>
-              <a:t>17.12.2025</a:t>
+              <a:t>19.12.2025</a:t>
             </a:fld>
             <a:endParaRPr lang="de-BE"/>
           </a:p>
@@ -489,9 +845,9 @@
           <a:bodyPr/>
           <a:lstStyle/>
           <a:p>
-            <a:fld id="{901B871C-5DD3-42C7-94DC-7EECA41E3E3B}" type="datetimeFigureOut">
+            <a:fld id="{FD0D9AB5-562B-4683-B612-5EB5223BBFC2}" type="datetime1">
               <a:rPr lang="de-BE" smtClean="0"/>
-              <a:t>17.12.2025</a:t>
+              <a:t>19.12.2025</a:t>
             </a:fld>
             <a:endParaRPr lang="de-BE"/>
           </a:p>
@@ -699,9 +1055,9 @@
           <a:bodyPr/>
           <a:lstStyle/>
           <a:p>
-            <a:fld id="{901B871C-5DD3-42C7-94DC-7EECA41E3E3B}" type="datetimeFigureOut">
+            <a:fld id="{1089AFA0-F9F5-428C-B0C3-EF0B656890B0}" type="datetime1">
               <a:rPr lang="de-BE" smtClean="0"/>
-              <a:t>17.12.2025</a:t>
+              <a:t>19.12.2025</a:t>
             </a:fld>
             <a:endParaRPr lang="de-BE"/>
           </a:p>
@@ -899,9 +1255,9 @@
           <a:bodyPr/>
           <a:lstStyle/>
           <a:p>
-            <a:fld id="{901B871C-5DD3-42C7-94DC-7EECA41E3E3B}" type="datetimeFigureOut">
+            <a:fld id="{6E7DA139-09B7-4212-858A-BAC5747A53E7}" type="datetime1">
               <a:rPr lang="de-BE" smtClean="0"/>
-              <a:t>17.12.2025</a:t>
+              <a:t>19.12.2025</a:t>
             </a:fld>
             <a:endParaRPr lang="de-BE"/>
           </a:p>
@@ -1175,9 +1531,9 @@
           <a:bodyPr/>
           <a:lstStyle/>
           <a:p>
-            <a:fld id="{901B871C-5DD3-42C7-94DC-7EECA41E3E3B}" type="datetimeFigureOut">
+            <a:fld id="{333D2061-33EE-4C32-8167-6F8CE2E3FE6F}" type="datetime1">
               <a:rPr lang="de-BE" smtClean="0"/>
-              <a:t>17.12.2025</a:t>
+              <a:t>19.12.2025</a:t>
             </a:fld>
             <a:endParaRPr lang="de-BE"/>
           </a:p>
@@ -1443,9 +1799,9 @@
           <a:bodyPr/>
           <a:lstStyle/>
           <a:p>
-            <a:fld id="{901B871C-5DD3-42C7-94DC-7EECA41E3E3B}" type="datetimeFigureOut">
+            <a:fld id="{18D64151-3BC8-49F8-ABEA-EC44E8854F3C}" type="datetime1">
               <a:rPr lang="de-BE" smtClean="0"/>
-              <a:t>17.12.2025</a:t>
+              <a:t>19.12.2025</a:t>
             </a:fld>
             <a:endParaRPr lang="de-BE"/>
           </a:p>
@@ -1858,9 +2214,9 @@
           <a:bodyPr/>
           <a:lstStyle/>
           <a:p>
-            <a:fld id="{901B871C-5DD3-42C7-94DC-7EECA41E3E3B}" type="datetimeFigureOut">
+            <a:fld id="{EA44074B-A28B-4E50-A374-A7AFE4F5000A}" type="datetime1">
               <a:rPr lang="de-BE" smtClean="0"/>
-              <a:t>17.12.2025</a:t>
+              <a:t>19.12.2025</a:t>
             </a:fld>
             <a:endParaRPr lang="de-BE"/>
           </a:p>
@@ -2000,9 +2356,9 @@
           <a:bodyPr/>
           <a:lstStyle/>
           <a:p>
-            <a:fld id="{901B871C-5DD3-42C7-94DC-7EECA41E3E3B}" type="datetimeFigureOut">
+            <a:fld id="{37D4DBE6-7E40-4AE8-9AD3-AC72BA5DF8A0}" type="datetime1">
               <a:rPr lang="de-BE" smtClean="0"/>
-              <a:t>17.12.2025</a:t>
+              <a:t>19.12.2025</a:t>
             </a:fld>
             <a:endParaRPr lang="de-BE"/>
           </a:p>
@@ -2113,9 +2469,9 @@
           <a:bodyPr/>
           <a:lstStyle/>
           <a:p>
-            <a:fld id="{901B871C-5DD3-42C7-94DC-7EECA41E3E3B}" type="datetimeFigureOut">
+            <a:fld id="{68946149-FE26-4D6B-B47F-40DD5ADEA07F}" type="datetime1">
               <a:rPr lang="de-BE" smtClean="0"/>
-              <a:t>17.12.2025</a:t>
+              <a:t>19.12.2025</a:t>
             </a:fld>
             <a:endParaRPr lang="de-BE"/>
           </a:p>
@@ -2426,9 +2782,9 @@
           <a:bodyPr/>
           <a:lstStyle/>
           <a:p>
-            <a:fld id="{901B871C-5DD3-42C7-94DC-7EECA41E3E3B}" type="datetimeFigureOut">
+            <a:fld id="{6706BA11-EB99-404C-9494-B4498069930A}" type="datetime1">
               <a:rPr lang="de-BE" smtClean="0"/>
-              <a:t>17.12.2025</a:t>
+              <a:t>19.12.2025</a:t>
             </a:fld>
             <a:endParaRPr lang="de-BE"/>
           </a:p>
@@ -2715,9 +3071,9 @@
           <a:bodyPr/>
           <a:lstStyle/>
           <a:p>
-            <a:fld id="{901B871C-5DD3-42C7-94DC-7EECA41E3E3B}" type="datetimeFigureOut">
+            <a:fld id="{1EB9A8F2-31EA-43AC-ACD3-75F3895ABC56}" type="datetime1">
               <a:rPr lang="de-BE" smtClean="0"/>
-              <a:t>17.12.2025</a:t>
+              <a:t>19.12.2025</a:t>
             </a:fld>
             <a:endParaRPr lang="de-BE"/>
           </a:p>
@@ -2958,9 +3314,9 @@
             </a:lvl1pPr>
           </a:lstStyle>
           <a:p>
-            <a:fld id="{901B871C-5DD3-42C7-94DC-7EECA41E3E3B}" type="datetimeFigureOut">
+            <a:fld id="{C3CB038C-A817-45E9-ADD3-1570978984A5}" type="datetime1">
               <a:rPr lang="de-BE" smtClean="0"/>
-              <a:t>17.12.2025</a:t>
+              <a:t>19.12.2025</a:t>
             </a:fld>
             <a:endParaRPr lang="de-BE"/>
           </a:p>
@@ -3077,6 +3433,7 @@
     <p:sldLayoutId id="2147483658" r:id="rId10"/>
     <p:sldLayoutId id="2147483659" r:id="rId11"/>
   </p:sldLayoutIdLst>
+  <p:hf hdr="0" ftr="0" dt="0"/>
   <p:txStyles>
     <p:titleStyle>
       <a:lvl1pPr algn="l" defTabSz="914400" rtl="0" eaLnBrk="1" latinLnBrk="0" hangingPunct="1">
@@ -3791,6 +4148,35 @@
           </a:fontRef>
         </p:style>
       </p:cxnSp>
+      <p:sp>
+        <p:nvSpPr>
+          <p:cNvPr id="4" name="Foliennummernplatzhalter 3">
+            <a:extLst>
+              <a:ext uri="{FF2B5EF4-FFF2-40B4-BE49-F238E27FC236}">
+                <a16:creationId xmlns:a16="http://schemas.microsoft.com/office/drawing/2014/main" id="{5E76452F-AB80-646D-007C-D07A1800B0B3}"/>
+              </a:ext>
+            </a:extLst>
+          </p:cNvPr>
+          <p:cNvSpPr>
+            <a:spLocks noGrp="1"/>
+          </p:cNvSpPr>
+          <p:nvPr>
+            <p:ph type="sldNum" sz="quarter" idx="12"/>
+          </p:nvPr>
+        </p:nvSpPr>
+        <p:spPr/>
+        <p:txBody>
+          <a:bodyPr/>
+          <a:lstStyle/>
+          <a:p>
+            <a:fld id="{18FB693C-3D3E-4164-9FC0-E9F6868342D2}" type="slidenum">
+              <a:rPr lang="de-BE" smtClean="0"/>
+              <a:t>1</a:t>
+            </a:fld>
+            <a:endParaRPr lang="de-BE"/>
+          </a:p>
+        </p:txBody>
+      </p:sp>
     </p:spTree>
     <p:extLst>
       <p:ext uri="{BB962C8B-B14F-4D97-AF65-F5344CB8AC3E}">
@@ -4769,6 +5155,35 @@
           </a:p>
         </p:txBody>
       </p:sp>
+      <p:sp>
+        <p:nvSpPr>
+          <p:cNvPr id="4" name="Foliennummernplatzhalter 3">
+            <a:extLst>
+              <a:ext uri="{FF2B5EF4-FFF2-40B4-BE49-F238E27FC236}">
+                <a16:creationId xmlns:a16="http://schemas.microsoft.com/office/drawing/2014/main" id="{8A90B2A1-D39A-B1B3-3C5A-4C4919860690}"/>
+              </a:ext>
+            </a:extLst>
+          </p:cNvPr>
+          <p:cNvSpPr>
+            <a:spLocks noGrp="1"/>
+          </p:cNvSpPr>
+          <p:nvPr>
+            <p:ph type="sldNum" sz="quarter" idx="12"/>
+          </p:nvPr>
+        </p:nvSpPr>
+        <p:spPr/>
+        <p:txBody>
+          <a:bodyPr/>
+          <a:lstStyle/>
+          <a:p>
+            <a:fld id="{18FB693C-3D3E-4164-9FC0-E9F6868342D2}" type="slidenum">
+              <a:rPr lang="de-BE" smtClean="0"/>
+              <a:t>10</a:t>
+            </a:fld>
+            <a:endParaRPr lang="de-BE"/>
+          </a:p>
+        </p:txBody>
+      </p:sp>
     </p:spTree>
     <p:extLst>
       <p:ext uri="{BB962C8B-B14F-4D97-AF65-F5344CB8AC3E}">
@@ -5666,6 +6081,35 @@
           </a:p>
         </p:txBody>
       </p:sp>
+      <p:sp>
+        <p:nvSpPr>
+          <p:cNvPr id="4" name="Foliennummernplatzhalter 3">
+            <a:extLst>
+              <a:ext uri="{FF2B5EF4-FFF2-40B4-BE49-F238E27FC236}">
+                <a16:creationId xmlns:a16="http://schemas.microsoft.com/office/drawing/2014/main" id="{961F63CD-BED5-A71C-BAF6-9850D7881F6E}"/>
+              </a:ext>
+            </a:extLst>
+          </p:cNvPr>
+          <p:cNvSpPr>
+            <a:spLocks noGrp="1"/>
+          </p:cNvSpPr>
+          <p:nvPr>
+            <p:ph type="sldNum" sz="quarter" idx="12"/>
+          </p:nvPr>
+        </p:nvSpPr>
+        <p:spPr/>
+        <p:txBody>
+          <a:bodyPr/>
+          <a:lstStyle/>
+          <a:p>
+            <a:fld id="{18FB693C-3D3E-4164-9FC0-E9F6868342D2}" type="slidenum">
+              <a:rPr lang="de-BE" smtClean="0"/>
+              <a:t>11</a:t>
+            </a:fld>
+            <a:endParaRPr lang="de-BE"/>
+          </a:p>
+        </p:txBody>
+      </p:sp>
     </p:spTree>
     <p:extLst>
       <p:ext uri="{BB962C8B-B14F-4D97-AF65-F5344CB8AC3E}">
@@ -6461,7 +6905,7 @@
         </p:spPr>
         <p:txBody>
           <a:bodyPr>
-            <a:normAutofit lnSpcReduction="10000"/>
+            <a:normAutofit fontScale="85000" lnSpcReduction="20000"/>
           </a:bodyPr>
           <a:lstStyle/>
           <a:p>
@@ -6672,7 +7116,59 @@
             <a:pPr marL="0" indent="0">
               <a:buNone/>
             </a:pPr>
+            <a:endParaRPr lang="de-DE" sz="2400" dirty="0">
+              <a:solidFill>
+                <a:schemeClr val="bg1"/>
+              </a:solidFill>
+            </a:endParaRPr>
+          </a:p>
+          <a:p>
+            <a:pPr marL="0" indent="0">
+              <a:buNone/>
+            </a:pPr>
+            <a:r>
+              <a:rPr lang="de-DE" sz="2400" dirty="0">
+                <a:solidFill>
+                  <a:schemeClr val="bg1"/>
+                </a:solidFill>
+              </a:rPr>
+              <a:t>Diese Präsentation wurde mithilfe von KI erstellt</a:t>
+            </a:r>
+          </a:p>
+          <a:p>
+            <a:pPr marL="0" indent="0">
+              <a:buNone/>
+            </a:pPr>
             <a:endParaRPr lang="de-DE" sz="2400" dirty="0"/>
+          </a:p>
+        </p:txBody>
+      </p:sp>
+      <p:sp>
+        <p:nvSpPr>
+          <p:cNvPr id="4" name="Foliennummernplatzhalter 3">
+            <a:extLst>
+              <a:ext uri="{FF2B5EF4-FFF2-40B4-BE49-F238E27FC236}">
+                <a16:creationId xmlns:a16="http://schemas.microsoft.com/office/drawing/2014/main" id="{92FAEC2D-2AD5-4FBD-7032-C27EE8952E6C}"/>
+              </a:ext>
+            </a:extLst>
+          </p:cNvPr>
+          <p:cNvSpPr>
+            <a:spLocks noGrp="1"/>
+          </p:cNvSpPr>
+          <p:nvPr>
+            <p:ph type="sldNum" sz="quarter" idx="12"/>
+          </p:nvPr>
+        </p:nvSpPr>
+        <p:spPr/>
+        <p:txBody>
+          <a:bodyPr/>
+          <a:lstStyle/>
+          <a:p>
+            <a:fld id="{18FB693C-3D3E-4164-9FC0-E9F6868342D2}" type="slidenum">
+              <a:rPr lang="de-BE" smtClean="0"/>
+              <a:t>12</a:t>
+            </a:fld>
+            <a:endParaRPr lang="de-BE"/>
           </a:p>
         </p:txBody>
       </p:sp>
@@ -7483,6 +7979,35 @@
           </a:p>
         </p:txBody>
       </p:sp>
+      <p:sp>
+        <p:nvSpPr>
+          <p:cNvPr id="4" name="Foliennummernplatzhalter 3">
+            <a:extLst>
+              <a:ext uri="{FF2B5EF4-FFF2-40B4-BE49-F238E27FC236}">
+                <a16:creationId xmlns:a16="http://schemas.microsoft.com/office/drawing/2014/main" id="{86F11C30-2A93-B772-37D6-8EAC35C7860D}"/>
+              </a:ext>
+            </a:extLst>
+          </p:cNvPr>
+          <p:cNvSpPr>
+            <a:spLocks noGrp="1"/>
+          </p:cNvSpPr>
+          <p:nvPr>
+            <p:ph type="sldNum" sz="quarter" idx="12"/>
+          </p:nvPr>
+        </p:nvSpPr>
+        <p:spPr/>
+        <p:txBody>
+          <a:bodyPr/>
+          <a:lstStyle/>
+          <a:p>
+            <a:fld id="{18FB693C-3D3E-4164-9FC0-E9F6868342D2}" type="slidenum">
+              <a:rPr lang="de-BE" smtClean="0"/>
+              <a:t>13</a:t>
+            </a:fld>
+            <a:endParaRPr lang="de-BE"/>
+          </a:p>
+        </p:txBody>
+      </p:sp>
     </p:spTree>
     <p:extLst>
       <p:ext uri="{BB962C8B-B14F-4D97-AF65-F5344CB8AC3E}">
@@ -7861,6 +8386,35 @@
               </a:rPr>
               <a:t>	- IPS / IDS</a:t>
             </a:r>
+          </a:p>
+        </p:txBody>
+      </p:sp>
+      <p:sp>
+        <p:nvSpPr>
+          <p:cNvPr id="4" name="Foliennummernplatzhalter 3">
+            <a:extLst>
+              <a:ext uri="{FF2B5EF4-FFF2-40B4-BE49-F238E27FC236}">
+                <a16:creationId xmlns:a16="http://schemas.microsoft.com/office/drawing/2014/main" id="{74D5C65C-07BE-095D-5DDA-72977C701CF9}"/>
+              </a:ext>
+            </a:extLst>
+          </p:cNvPr>
+          <p:cNvSpPr>
+            <a:spLocks noGrp="1"/>
+          </p:cNvSpPr>
+          <p:nvPr>
+            <p:ph type="sldNum" sz="quarter" idx="12"/>
+          </p:nvPr>
+        </p:nvSpPr>
+        <p:spPr/>
+        <p:txBody>
+          <a:bodyPr/>
+          <a:lstStyle/>
+          <a:p>
+            <a:fld id="{18FB693C-3D3E-4164-9FC0-E9F6868342D2}" type="slidenum">
+              <a:rPr lang="de-BE" smtClean="0"/>
+              <a:t>2</a:t>
+            </a:fld>
+            <a:endParaRPr lang="de-BE"/>
           </a:p>
         </p:txBody>
       </p:sp>
@@ -8769,6 +9323,35 @@
           </a:prstGeom>
         </p:spPr>
       </p:pic>
+      <p:sp>
+        <p:nvSpPr>
+          <p:cNvPr id="4" name="Foliennummernplatzhalter 3">
+            <a:extLst>
+              <a:ext uri="{FF2B5EF4-FFF2-40B4-BE49-F238E27FC236}">
+                <a16:creationId xmlns:a16="http://schemas.microsoft.com/office/drawing/2014/main" id="{038EDC8B-F3A1-8363-35E1-2D2431072FD3}"/>
+              </a:ext>
+            </a:extLst>
+          </p:cNvPr>
+          <p:cNvSpPr>
+            <a:spLocks noGrp="1"/>
+          </p:cNvSpPr>
+          <p:nvPr>
+            <p:ph type="sldNum" sz="quarter" idx="12"/>
+          </p:nvPr>
+        </p:nvSpPr>
+        <p:spPr/>
+        <p:txBody>
+          <a:bodyPr/>
+          <a:lstStyle/>
+          <a:p>
+            <a:fld id="{18FB693C-3D3E-4164-9FC0-E9F6868342D2}" type="slidenum">
+              <a:rPr lang="de-BE" smtClean="0"/>
+              <a:t>3</a:t>
+            </a:fld>
+            <a:endParaRPr lang="de-BE"/>
+          </a:p>
+        </p:txBody>
+      </p:sp>
     </p:spTree>
     <p:extLst>
       <p:ext uri="{BB962C8B-B14F-4D97-AF65-F5344CB8AC3E}">
@@ -9722,6 +10305,35 @@
           </a:prstGeom>
         </p:spPr>
       </p:pic>
+      <p:sp>
+        <p:nvSpPr>
+          <p:cNvPr id="4" name="Foliennummernplatzhalter 3">
+            <a:extLst>
+              <a:ext uri="{FF2B5EF4-FFF2-40B4-BE49-F238E27FC236}">
+                <a16:creationId xmlns:a16="http://schemas.microsoft.com/office/drawing/2014/main" id="{C39671F9-6E79-A130-236B-D6EBAE92BA7C}"/>
+              </a:ext>
+            </a:extLst>
+          </p:cNvPr>
+          <p:cNvSpPr>
+            <a:spLocks noGrp="1"/>
+          </p:cNvSpPr>
+          <p:nvPr>
+            <p:ph type="sldNum" sz="quarter" idx="12"/>
+          </p:nvPr>
+        </p:nvSpPr>
+        <p:spPr/>
+        <p:txBody>
+          <a:bodyPr/>
+          <a:lstStyle/>
+          <a:p>
+            <a:fld id="{18FB693C-3D3E-4164-9FC0-E9F6868342D2}" type="slidenum">
+              <a:rPr lang="de-BE" smtClean="0"/>
+              <a:t>4</a:t>
+            </a:fld>
+            <a:endParaRPr lang="de-BE"/>
+          </a:p>
+        </p:txBody>
+      </p:sp>
     </p:spTree>
     <p:extLst>
       <p:ext uri="{BB962C8B-B14F-4D97-AF65-F5344CB8AC3E}">
@@ -10745,6 +11357,35 @@
           </a:prstGeom>
         </p:spPr>
       </p:pic>
+      <p:sp>
+        <p:nvSpPr>
+          <p:cNvPr id="4" name="Foliennummernplatzhalter 3">
+            <a:extLst>
+              <a:ext uri="{FF2B5EF4-FFF2-40B4-BE49-F238E27FC236}">
+                <a16:creationId xmlns:a16="http://schemas.microsoft.com/office/drawing/2014/main" id="{37CD90B7-34E2-3F96-8680-226F9E18C044}"/>
+              </a:ext>
+            </a:extLst>
+          </p:cNvPr>
+          <p:cNvSpPr>
+            <a:spLocks noGrp="1"/>
+          </p:cNvSpPr>
+          <p:nvPr>
+            <p:ph type="sldNum" sz="quarter" idx="12"/>
+          </p:nvPr>
+        </p:nvSpPr>
+        <p:spPr/>
+        <p:txBody>
+          <a:bodyPr/>
+          <a:lstStyle/>
+          <a:p>
+            <a:fld id="{18FB693C-3D3E-4164-9FC0-E9F6868342D2}" type="slidenum">
+              <a:rPr lang="de-BE" smtClean="0"/>
+              <a:t>5</a:t>
+            </a:fld>
+            <a:endParaRPr lang="de-BE"/>
+          </a:p>
+        </p:txBody>
+      </p:sp>
     </p:spTree>
     <p:extLst>
       <p:ext uri="{BB962C8B-B14F-4D97-AF65-F5344CB8AC3E}">
@@ -11647,6 +12288,35 @@
           </a:p>
         </p:txBody>
       </p:sp>
+      <p:sp>
+        <p:nvSpPr>
+          <p:cNvPr id="4" name="Foliennummernplatzhalter 3">
+            <a:extLst>
+              <a:ext uri="{FF2B5EF4-FFF2-40B4-BE49-F238E27FC236}">
+                <a16:creationId xmlns:a16="http://schemas.microsoft.com/office/drawing/2014/main" id="{6BF21557-220A-DB95-EB73-332A41D9669E}"/>
+              </a:ext>
+            </a:extLst>
+          </p:cNvPr>
+          <p:cNvSpPr>
+            <a:spLocks noGrp="1"/>
+          </p:cNvSpPr>
+          <p:nvPr>
+            <p:ph type="sldNum" sz="quarter" idx="12"/>
+          </p:nvPr>
+        </p:nvSpPr>
+        <p:spPr/>
+        <p:txBody>
+          <a:bodyPr/>
+          <a:lstStyle/>
+          <a:p>
+            <a:fld id="{18FB693C-3D3E-4164-9FC0-E9F6868342D2}" type="slidenum">
+              <a:rPr lang="de-BE" smtClean="0"/>
+              <a:t>6</a:t>
+            </a:fld>
+            <a:endParaRPr lang="de-BE"/>
+          </a:p>
+        </p:txBody>
+      </p:sp>
     </p:spTree>
     <p:extLst>
       <p:ext uri="{BB962C8B-B14F-4D97-AF65-F5344CB8AC3E}">
@@ -12594,6 +13264,35 @@
           </a:prstGeom>
         </p:spPr>
       </p:pic>
+      <p:sp>
+        <p:nvSpPr>
+          <p:cNvPr id="4" name="Foliennummernplatzhalter 3">
+            <a:extLst>
+              <a:ext uri="{FF2B5EF4-FFF2-40B4-BE49-F238E27FC236}">
+                <a16:creationId xmlns:a16="http://schemas.microsoft.com/office/drawing/2014/main" id="{D611B616-EC7D-35E0-491F-E39858D63917}"/>
+              </a:ext>
+            </a:extLst>
+          </p:cNvPr>
+          <p:cNvSpPr>
+            <a:spLocks noGrp="1"/>
+          </p:cNvSpPr>
+          <p:nvPr>
+            <p:ph type="sldNum" sz="quarter" idx="12"/>
+          </p:nvPr>
+        </p:nvSpPr>
+        <p:spPr/>
+        <p:txBody>
+          <a:bodyPr/>
+          <a:lstStyle/>
+          <a:p>
+            <a:fld id="{18FB693C-3D3E-4164-9FC0-E9F6868342D2}" type="slidenum">
+              <a:rPr lang="de-BE" smtClean="0"/>
+              <a:t>7</a:t>
+            </a:fld>
+            <a:endParaRPr lang="de-BE"/>
+          </a:p>
+        </p:txBody>
+      </p:sp>
     </p:spTree>
     <p:extLst>
       <p:ext uri="{BB962C8B-B14F-4D97-AF65-F5344CB8AC3E}">
@@ -13584,6 +14283,35 @@
           </a:p>
         </p:txBody>
       </p:sp>
+      <p:sp>
+        <p:nvSpPr>
+          <p:cNvPr id="4" name="Foliennummernplatzhalter 3">
+            <a:extLst>
+              <a:ext uri="{FF2B5EF4-FFF2-40B4-BE49-F238E27FC236}">
+                <a16:creationId xmlns:a16="http://schemas.microsoft.com/office/drawing/2014/main" id="{57299C70-7351-0367-1B01-0C800D3C59A4}"/>
+              </a:ext>
+            </a:extLst>
+          </p:cNvPr>
+          <p:cNvSpPr>
+            <a:spLocks noGrp="1"/>
+          </p:cNvSpPr>
+          <p:nvPr>
+            <p:ph type="sldNum" sz="quarter" idx="12"/>
+          </p:nvPr>
+        </p:nvSpPr>
+        <p:spPr/>
+        <p:txBody>
+          <a:bodyPr/>
+          <a:lstStyle/>
+          <a:p>
+            <a:fld id="{18FB693C-3D3E-4164-9FC0-E9F6868342D2}" type="slidenum">
+              <a:rPr lang="de-BE" smtClean="0"/>
+              <a:t>8</a:t>
+            </a:fld>
+            <a:endParaRPr lang="de-BE"/>
+          </a:p>
+        </p:txBody>
+      </p:sp>
     </p:spTree>
     <p:extLst>
       <p:ext uri="{BB962C8B-B14F-4D97-AF65-F5344CB8AC3E}">
@@ -14579,6 +15307,35 @@
           </a:prstGeom>
         </p:spPr>
       </p:pic>
+      <p:sp>
+        <p:nvSpPr>
+          <p:cNvPr id="4" name="Foliennummernplatzhalter 3">
+            <a:extLst>
+              <a:ext uri="{FF2B5EF4-FFF2-40B4-BE49-F238E27FC236}">
+                <a16:creationId xmlns:a16="http://schemas.microsoft.com/office/drawing/2014/main" id="{75559F51-7D95-1CE6-30AD-A1146A9F0C7E}"/>
+              </a:ext>
+            </a:extLst>
+          </p:cNvPr>
+          <p:cNvSpPr>
+            <a:spLocks noGrp="1"/>
+          </p:cNvSpPr>
+          <p:nvPr>
+            <p:ph type="sldNum" sz="quarter" idx="12"/>
+          </p:nvPr>
+        </p:nvSpPr>
+        <p:spPr/>
+        <p:txBody>
+          <a:bodyPr/>
+          <a:lstStyle/>
+          <a:p>
+            <a:fld id="{18FB693C-3D3E-4164-9FC0-E9F6868342D2}" type="slidenum">
+              <a:rPr lang="de-BE" smtClean="0"/>
+              <a:t>9</a:t>
+            </a:fld>
+            <a:endParaRPr lang="de-BE"/>
+          </a:p>
+        </p:txBody>
+      </p:sp>
     </p:spTree>
     <p:extLst>
       <p:ext uri="{BB962C8B-B14F-4D97-AF65-F5344CB8AC3E}">
@@ -14905,4 +15662,319 @@
     </a:ext>
   </a:extLst>
 </a:theme>
+</file>
+
+<file path=ppt/theme/theme2.xml><?xml version="1.0" encoding="utf-8"?>
+<a:theme xmlns:a="http://schemas.openxmlformats.org/drawingml/2006/main" name="Office">
+  <a:themeElements>
+    <a:clrScheme name="Office">
+      <a:dk1>
+        <a:sysClr val="windowText" lastClr="000000"/>
+      </a:dk1>
+      <a:lt1>
+        <a:sysClr val="window" lastClr="FFFFFF"/>
+      </a:lt1>
+      <a:dk2>
+        <a:srgbClr val="0E2841"/>
+      </a:dk2>
+      <a:lt2>
+        <a:srgbClr val="E8E8E8"/>
+      </a:lt2>
+      <a:accent1>
+        <a:srgbClr val="156082"/>
+      </a:accent1>
+      <a:accent2>
+        <a:srgbClr val="E97132"/>
+      </a:accent2>
+      <a:accent3>
+        <a:srgbClr val="196B24"/>
+      </a:accent3>
+      <a:accent4>
+        <a:srgbClr val="0F9ED5"/>
+      </a:accent4>
+      <a:accent5>
+        <a:srgbClr val="A02B93"/>
+      </a:accent5>
+      <a:accent6>
+        <a:srgbClr val="4EA72E"/>
+      </a:accent6>
+      <a:hlink>
+        <a:srgbClr val="467886"/>
+      </a:hlink>
+      <a:folHlink>
+        <a:srgbClr val="96607D"/>
+      </a:folHlink>
+    </a:clrScheme>
+    <a:fontScheme name="Office">
+      <a:majorFont>
+        <a:latin typeface="Aptos Display" panose="02110004020202020204"/>
+        <a:ea typeface=""/>
+        <a:cs typeface=""/>
+        <a:font script="Jpan" typeface="游ゴシック Light"/>
+        <a:font script="Hang" typeface="맑은 고딕"/>
+        <a:font script="Hans" typeface="等线 Light"/>
+        <a:font script="Hant" typeface="新細明體"/>
+        <a:font script="Arab" typeface="Times New Roman"/>
+        <a:font script="Hebr" typeface="Times New Roman"/>
+        <a:font script="Thai" typeface="Angsana New"/>
+        <a:font script="Ethi" typeface="Nyala"/>
+        <a:font script="Beng" typeface="Vrinda"/>
+        <a:font script="Gujr" typeface="Shruti"/>
+        <a:font script="Khmr" typeface="MoolBoran"/>
+        <a:font script="Knda" typeface="Tunga"/>
+        <a:font script="Guru" typeface="Raavi"/>
+        <a:font script="Cans" typeface="Euphemia"/>
+        <a:font script="Cher" typeface="Plantagenet Cherokee"/>
+        <a:font script="Yiii" typeface="Microsoft Yi Baiti"/>
+        <a:font script="Tibt" typeface="Microsoft Himalaya"/>
+        <a:font script="Thaa" typeface="MV Boli"/>
+        <a:font script="Deva" typeface="Mangal"/>
+        <a:font script="Telu" typeface="Gautami"/>
+        <a:font script="Taml" typeface="Latha"/>
+        <a:font script="Syrc" typeface="Estrangelo Edessa"/>
+        <a:font script="Orya" typeface="Kalinga"/>
+        <a:font script="Mlym" typeface="Kartika"/>
+        <a:font script="Laoo" typeface="DokChampa"/>
+        <a:font script="Sinh" typeface="Iskoola Pota"/>
+        <a:font script="Mong" typeface="Mongolian Baiti"/>
+        <a:font script="Viet" typeface="Times New Roman"/>
+        <a:font script="Uigh" typeface="Microsoft Uighur"/>
+        <a:font script="Geor" typeface="Sylfaen"/>
+        <a:font script="Armn" typeface="Arial"/>
+        <a:font script="Bugi" typeface="Leelawadee UI"/>
+        <a:font script="Bopo" typeface="Microsoft JhengHei"/>
+        <a:font script="Java" typeface="Javanese Text"/>
+        <a:font script="Lisu" typeface="Segoe UI"/>
+        <a:font script="Mymr" typeface="Myanmar Text"/>
+        <a:font script="Nkoo" typeface="Ebrima"/>
+        <a:font script="Olck" typeface="Nirmala UI"/>
+        <a:font script="Osma" typeface="Ebrima"/>
+        <a:font script="Phag" typeface="Phagspa"/>
+        <a:font script="Syrn" typeface="Estrangelo Edessa"/>
+        <a:font script="Syrj" typeface="Estrangelo Edessa"/>
+        <a:font script="Syre" typeface="Estrangelo Edessa"/>
+        <a:font script="Sora" typeface="Nirmala UI"/>
+        <a:font script="Tale" typeface="Microsoft Tai Le"/>
+        <a:font script="Talu" typeface="Microsoft New Tai Lue"/>
+        <a:font script="Tfng" typeface="Ebrima"/>
+      </a:majorFont>
+      <a:minorFont>
+        <a:latin typeface="Aptos" panose="02110004020202020204"/>
+        <a:ea typeface=""/>
+        <a:cs typeface=""/>
+        <a:font script="Jpan" typeface="游ゴシック"/>
+        <a:font script="Hang" typeface="맑은 고딕"/>
+        <a:font script="Hans" typeface="等线"/>
+        <a:font script="Hant" typeface="新細明體"/>
+        <a:font script="Arab" typeface="Arial"/>
+        <a:font script="Hebr" typeface="Arial"/>
+        <a:font script="Thai" typeface="Cordia New"/>
+        <a:font script="Ethi" typeface="Nyala"/>
+        <a:font script="Beng" typeface="Vrinda"/>
+        <a:font script="Gujr" typeface="Shruti"/>
+        <a:font script="Khmr" typeface="DaunPenh"/>
+        <a:font script="Knda" typeface="Tunga"/>
+        <a:font script="Guru" typeface="Raavi"/>
+        <a:font script="Cans" typeface="Euphemia"/>
+        <a:font script="Cher" typeface="Plantagenet Cherokee"/>
+        <a:font script="Yiii" typeface="Microsoft Yi Baiti"/>
+        <a:font script="Tibt" typeface="Microsoft Himalaya"/>
+        <a:font script="Thaa" typeface="MV Boli"/>
+        <a:font script="Deva" typeface="Mangal"/>
+        <a:font script="Telu" typeface="Gautami"/>
+        <a:font script="Taml" typeface="Latha"/>
+        <a:font script="Syrc" typeface="Estrangelo Edessa"/>
+        <a:font script="Orya" typeface="Kalinga"/>
+        <a:font script="Mlym" typeface="Kartika"/>
+        <a:font script="Laoo" typeface="DokChampa"/>
+        <a:font script="Sinh" typeface="Iskoola Pota"/>
+        <a:font script="Mong" typeface="Mongolian Baiti"/>
+        <a:font script="Viet" typeface="Arial"/>
+        <a:font script="Uigh" typeface="Microsoft Uighur"/>
+        <a:font script="Geor" typeface="Sylfaen"/>
+        <a:font script="Armn" typeface="Arial"/>
+        <a:font script="Bugi" typeface="Leelawadee UI"/>
+        <a:font script="Bopo" typeface="Microsoft JhengHei"/>
+        <a:font script="Java" typeface="Javanese Text"/>
+        <a:font script="Lisu" typeface="Segoe UI"/>
+        <a:font script="Mymr" typeface="Myanmar Text"/>
+        <a:font script="Nkoo" typeface="Ebrima"/>
+        <a:font script="Olck" typeface="Nirmala UI"/>
+        <a:font script="Osma" typeface="Ebrima"/>
+        <a:font script="Phag" typeface="Phagspa"/>
+        <a:font script="Syrn" typeface="Estrangelo Edessa"/>
+        <a:font script="Syrj" typeface="Estrangelo Edessa"/>
+        <a:font script="Syre" typeface="Estrangelo Edessa"/>
+        <a:font script="Sora" typeface="Nirmala UI"/>
+        <a:font script="Tale" typeface="Microsoft Tai Le"/>
+        <a:font script="Talu" typeface="Microsoft New Tai Lue"/>
+        <a:font script="Tfng" typeface="Ebrima"/>
+      </a:minorFont>
+    </a:fontScheme>
+    <a:fmtScheme name="Office">
+      <a:fillStyleLst>
+        <a:solidFill>
+          <a:schemeClr val="phClr"/>
+        </a:solidFill>
+        <a:gradFill rotWithShape="1">
+          <a:gsLst>
+            <a:gs pos="0">
+              <a:schemeClr val="phClr">
+                <a:lumMod val="110000"/>
+                <a:satMod val="105000"/>
+                <a:tint val="67000"/>
+              </a:schemeClr>
+            </a:gs>
+            <a:gs pos="50000">
+              <a:schemeClr val="phClr">
+                <a:lumMod val="105000"/>
+                <a:satMod val="103000"/>
+                <a:tint val="73000"/>
+              </a:schemeClr>
+            </a:gs>
+            <a:gs pos="100000">
+              <a:schemeClr val="phClr">
+                <a:lumMod val="105000"/>
+                <a:satMod val="109000"/>
+                <a:tint val="81000"/>
+              </a:schemeClr>
+            </a:gs>
+          </a:gsLst>
+          <a:lin ang="5400000" scaled="0"/>
+        </a:gradFill>
+        <a:gradFill rotWithShape="1">
+          <a:gsLst>
+            <a:gs pos="0">
+              <a:schemeClr val="phClr">
+                <a:satMod val="103000"/>
+                <a:lumMod val="102000"/>
+                <a:tint val="94000"/>
+              </a:schemeClr>
+            </a:gs>
+            <a:gs pos="50000">
+              <a:schemeClr val="phClr">
+                <a:satMod val="110000"/>
+                <a:lumMod val="100000"/>
+                <a:shade val="100000"/>
+              </a:schemeClr>
+            </a:gs>
+            <a:gs pos="100000">
+              <a:schemeClr val="phClr">
+                <a:lumMod val="99000"/>
+                <a:satMod val="120000"/>
+                <a:shade val="78000"/>
+              </a:schemeClr>
+            </a:gs>
+          </a:gsLst>
+          <a:lin ang="5400000" scaled="0"/>
+        </a:gradFill>
+      </a:fillStyleLst>
+      <a:lnStyleLst>
+        <a:ln w="12700" cap="flat" cmpd="sng" algn="ctr">
+          <a:solidFill>
+            <a:schemeClr val="phClr"/>
+          </a:solidFill>
+          <a:prstDash val="solid"/>
+          <a:miter lim="800000"/>
+        </a:ln>
+        <a:ln w="19050" cap="flat" cmpd="sng" algn="ctr">
+          <a:solidFill>
+            <a:schemeClr val="phClr"/>
+          </a:solidFill>
+          <a:prstDash val="solid"/>
+          <a:miter lim="800000"/>
+        </a:ln>
+        <a:ln w="25400" cap="flat" cmpd="sng" algn="ctr">
+          <a:solidFill>
+            <a:schemeClr val="phClr"/>
+          </a:solidFill>
+          <a:prstDash val="solid"/>
+          <a:miter lim="800000"/>
+        </a:ln>
+      </a:lnStyleLst>
+      <a:effectStyleLst>
+        <a:effectStyle>
+          <a:effectLst/>
+        </a:effectStyle>
+        <a:effectStyle>
+          <a:effectLst/>
+        </a:effectStyle>
+        <a:effectStyle>
+          <a:effectLst>
+            <a:outerShdw blurRad="57150" dist="19050" dir="5400000" algn="ctr" rotWithShape="0">
+              <a:srgbClr val="000000">
+                <a:alpha val="63000"/>
+              </a:srgbClr>
+            </a:outerShdw>
+          </a:effectLst>
+        </a:effectStyle>
+      </a:effectStyleLst>
+      <a:bgFillStyleLst>
+        <a:solidFill>
+          <a:schemeClr val="phClr"/>
+        </a:solidFill>
+        <a:solidFill>
+          <a:schemeClr val="phClr">
+            <a:tint val="95000"/>
+            <a:satMod val="170000"/>
+          </a:schemeClr>
+        </a:solidFill>
+        <a:gradFill rotWithShape="1">
+          <a:gsLst>
+            <a:gs pos="0">
+              <a:schemeClr val="phClr">
+                <a:tint val="93000"/>
+                <a:satMod val="150000"/>
+                <a:shade val="98000"/>
+                <a:lumMod val="102000"/>
+              </a:schemeClr>
+            </a:gs>
+            <a:gs pos="50000">
+              <a:schemeClr val="phClr">
+                <a:tint val="98000"/>
+                <a:satMod val="130000"/>
+                <a:shade val="90000"/>
+                <a:lumMod val="103000"/>
+              </a:schemeClr>
+            </a:gs>
+            <a:gs pos="100000">
+              <a:schemeClr val="phClr">
+                <a:shade val="63000"/>
+                <a:satMod val="120000"/>
+              </a:schemeClr>
+            </a:gs>
+          </a:gsLst>
+          <a:lin ang="5400000" scaled="0"/>
+        </a:gradFill>
+      </a:bgFillStyleLst>
+    </a:fmtScheme>
+  </a:themeElements>
+  <a:objectDefaults>
+    <a:lnDef>
+      <a:spPr/>
+      <a:bodyPr/>
+      <a:lstStyle/>
+      <a:style>
+        <a:lnRef idx="2">
+          <a:schemeClr val="accent1"/>
+        </a:lnRef>
+        <a:fillRef idx="0">
+          <a:schemeClr val="accent1"/>
+        </a:fillRef>
+        <a:effectRef idx="1">
+          <a:schemeClr val="accent1"/>
+        </a:effectRef>
+        <a:fontRef idx="minor">
+          <a:schemeClr val="tx1"/>
+        </a:fontRef>
+      </a:style>
+    </a:lnDef>
+  </a:objectDefaults>
+  <a:extraClrSchemeLst/>
+  <a:extLst>
+    <a:ext uri="{05A4C25C-085E-4340-85A3-A5531E510DB2}">
+      <thm15:themeFamily xmlns:thm15="http://schemas.microsoft.com/office/thememl/2012/main" name="Office Theme" id="{2E142A2C-CD16-42D6-873A-C26D2A0506FA}" vid="{1BDDFF52-6CD6-40A5-AB3C-68EB2F1E4D0A}"/>
+    </a:ext>
+  </a:extLst>
+</a:theme>
 </file>
--- a/LF11 Meier Präsentation TP Link 706W .pptx
+++ b/LF11 Meier Präsentation TP Link 706W .pptx
@@ -197,7 +197,7 @@
             </a:lvl1pPr>
           </a:lstStyle>
           <a:p>
-            <a:endParaRPr lang="de-BE"/>
+            <a:endParaRPr lang="de-DE"/>
           </a:p>
         </p:txBody>
       </p:sp>
@@ -228,11 +228,11 @@
             </a:lvl1pPr>
           </a:lstStyle>
           <a:p>
-            <a:fld id="{5FBBD9DF-3BD8-4C7D-9A3A-92AB7DC71802}" type="datetimeFigureOut">
-              <a:rPr lang="de-BE" smtClean="0"/>
+            <a:fld id="{471F4FA1-5C69-441B-8A36-BF0FB235F183}" type="datetimeFigureOut">
+              <a:rPr lang="de-DE" smtClean="0"/>
               <a:t>19.12.2025</a:t>
             </a:fld>
-            <a:endParaRPr lang="de-BE"/>
+            <a:endParaRPr lang="de-DE"/>
           </a:p>
         </p:txBody>
       </p:sp>
@@ -265,7 +265,7 @@
           <a:bodyPr vert="horz" lIns="91440" tIns="45720" rIns="91440" bIns="45720" rtlCol="0" anchor="ctr"/>
           <a:lstStyle/>
           <a:p>
-            <a:endParaRPr lang="de-BE"/>
+            <a:endParaRPr lang="de-DE"/>
           </a:p>
         </p:txBody>
       </p:sp>
@@ -325,7 +325,6 @@
               <a:rPr lang="de-DE"/>
               <a:t>Fünfte Ebene</a:t>
             </a:r>
-            <a:endParaRPr lang="de-BE"/>
           </a:p>
         </p:txBody>
       </p:sp>
@@ -356,7 +355,7 @@
             </a:lvl1pPr>
           </a:lstStyle>
           <a:p>
-            <a:endParaRPr lang="de-BE"/>
+            <a:endParaRPr lang="de-DE"/>
           </a:p>
         </p:txBody>
       </p:sp>
@@ -387,18 +386,18 @@
             </a:lvl1pPr>
           </a:lstStyle>
           <a:p>
-            <a:fld id="{BAF44E46-57E5-4DEC-B808-EF31442F10EF}" type="slidenum">
-              <a:rPr lang="de-BE" smtClean="0"/>
+            <a:fld id="{BDB5AA0E-08E2-43C7-9EF5-A07953E573E2}" type="slidenum">
+              <a:rPr lang="de-DE" smtClean="0"/>
               <a:t>‹Nr.›</a:t>
             </a:fld>
-            <a:endParaRPr lang="de-BE"/>
+            <a:endParaRPr lang="de-DE"/>
           </a:p>
         </p:txBody>
       </p:sp>
     </p:spTree>
     <p:extLst>
       <p:ext uri="{BB962C8B-B14F-4D97-AF65-F5344CB8AC3E}">
-        <p14:creationId xmlns:p14="http://schemas.microsoft.com/office/powerpoint/2010/main" val="710802504"/>
+        <p14:creationId xmlns:p14="http://schemas.microsoft.com/office/powerpoint/2010/main" val="3125404409"/>
       </p:ext>
     </p:extLst>
   </p:cSld>
@@ -645,9 +644,9 @@
           <a:bodyPr/>
           <a:lstStyle/>
           <a:p>
-            <a:fld id="{AF3CCDED-194C-4544-BE75-019E6FF802A0}" type="datetime1">
-              <a:rPr lang="de-BE" smtClean="0"/>
-              <a:t>19.12.2025</a:t>
+            <a:fld id="{7592A1A3-4852-4D71-900D-BC10135B0117}" type="datetime1">
+              <a:rPr lang="LID4096" smtClean="0"/>
+              <a:t>12/19/2025</a:t>
             </a:fld>
             <a:endParaRPr lang="de-BE"/>
           </a:p>
@@ -845,9 +844,9 @@
           <a:bodyPr/>
           <a:lstStyle/>
           <a:p>
-            <a:fld id="{FD0D9AB5-562B-4683-B612-5EB5223BBFC2}" type="datetime1">
-              <a:rPr lang="de-BE" smtClean="0"/>
-              <a:t>19.12.2025</a:t>
+            <a:fld id="{96900E31-0287-4FD6-AD66-EBEE2D169F84}" type="datetime1">
+              <a:rPr lang="LID4096" smtClean="0"/>
+              <a:t>12/19/2025</a:t>
             </a:fld>
             <a:endParaRPr lang="de-BE"/>
           </a:p>
@@ -1055,9 +1054,9 @@
           <a:bodyPr/>
           <a:lstStyle/>
           <a:p>
-            <a:fld id="{1089AFA0-F9F5-428C-B0C3-EF0B656890B0}" type="datetime1">
-              <a:rPr lang="de-BE" smtClean="0"/>
-              <a:t>19.12.2025</a:t>
+            <a:fld id="{B53B3347-312D-4ADE-AE9F-A82E9B4AF341}" type="datetime1">
+              <a:rPr lang="LID4096" smtClean="0"/>
+              <a:t>12/19/2025</a:t>
             </a:fld>
             <a:endParaRPr lang="de-BE"/>
           </a:p>
@@ -1255,9 +1254,9 @@
           <a:bodyPr/>
           <a:lstStyle/>
           <a:p>
-            <a:fld id="{6E7DA139-09B7-4212-858A-BAC5747A53E7}" type="datetime1">
-              <a:rPr lang="de-BE" smtClean="0"/>
-              <a:t>19.12.2025</a:t>
+            <a:fld id="{58FC57F0-7D4B-471B-863C-9C026E014428}" type="datetime1">
+              <a:rPr lang="LID4096" smtClean="0"/>
+              <a:t>12/19/2025</a:t>
             </a:fld>
             <a:endParaRPr lang="de-BE"/>
           </a:p>
@@ -1531,9 +1530,9 @@
           <a:bodyPr/>
           <a:lstStyle/>
           <a:p>
-            <a:fld id="{333D2061-33EE-4C32-8167-6F8CE2E3FE6F}" type="datetime1">
-              <a:rPr lang="de-BE" smtClean="0"/>
-              <a:t>19.12.2025</a:t>
+            <a:fld id="{CCA9D422-70FB-4C93-B616-58B29C03488F}" type="datetime1">
+              <a:rPr lang="LID4096" smtClean="0"/>
+              <a:t>12/19/2025</a:t>
             </a:fld>
             <a:endParaRPr lang="de-BE"/>
           </a:p>
@@ -1799,9 +1798,9 @@
           <a:bodyPr/>
           <a:lstStyle/>
           <a:p>
-            <a:fld id="{18D64151-3BC8-49F8-ABEA-EC44E8854F3C}" type="datetime1">
-              <a:rPr lang="de-BE" smtClean="0"/>
-              <a:t>19.12.2025</a:t>
+            <a:fld id="{4B7DF3E7-188A-408E-92BF-989D8425197C}" type="datetime1">
+              <a:rPr lang="LID4096" smtClean="0"/>
+              <a:t>12/19/2025</a:t>
             </a:fld>
             <a:endParaRPr lang="de-BE"/>
           </a:p>
@@ -2214,9 +2213,9 @@
           <a:bodyPr/>
           <a:lstStyle/>
           <a:p>
-            <a:fld id="{EA44074B-A28B-4E50-A374-A7AFE4F5000A}" type="datetime1">
-              <a:rPr lang="de-BE" smtClean="0"/>
-              <a:t>19.12.2025</a:t>
+            <a:fld id="{ECE7EDB1-3804-4CD4-96F9-0CCB778BB164}" type="datetime1">
+              <a:rPr lang="LID4096" smtClean="0"/>
+              <a:t>12/19/2025</a:t>
             </a:fld>
             <a:endParaRPr lang="de-BE"/>
           </a:p>
@@ -2356,9 +2355,9 @@
           <a:bodyPr/>
           <a:lstStyle/>
           <a:p>
-            <a:fld id="{37D4DBE6-7E40-4AE8-9AD3-AC72BA5DF8A0}" type="datetime1">
-              <a:rPr lang="de-BE" smtClean="0"/>
-              <a:t>19.12.2025</a:t>
+            <a:fld id="{DBEC9B47-FF2E-414C-BD33-BF429459CEC5}" type="datetime1">
+              <a:rPr lang="LID4096" smtClean="0"/>
+              <a:t>12/19/2025</a:t>
             </a:fld>
             <a:endParaRPr lang="de-BE"/>
           </a:p>
@@ -2469,9 +2468,9 @@
           <a:bodyPr/>
           <a:lstStyle/>
           <a:p>
-            <a:fld id="{68946149-FE26-4D6B-B47F-40DD5ADEA07F}" type="datetime1">
-              <a:rPr lang="de-BE" smtClean="0"/>
-              <a:t>19.12.2025</a:t>
+            <a:fld id="{DDCEDDB4-B43F-4726-984C-653A4967818D}" type="datetime1">
+              <a:rPr lang="LID4096" smtClean="0"/>
+              <a:t>12/19/2025</a:t>
             </a:fld>
             <a:endParaRPr lang="de-BE"/>
           </a:p>
@@ -2782,9 +2781,9 @@
           <a:bodyPr/>
           <a:lstStyle/>
           <a:p>
-            <a:fld id="{6706BA11-EB99-404C-9494-B4498069930A}" type="datetime1">
-              <a:rPr lang="de-BE" smtClean="0"/>
-              <a:t>19.12.2025</a:t>
+            <a:fld id="{91AE0E79-AB09-453A-BDE9-66902B4D26A9}" type="datetime1">
+              <a:rPr lang="LID4096" smtClean="0"/>
+              <a:t>12/19/2025</a:t>
             </a:fld>
             <a:endParaRPr lang="de-BE"/>
           </a:p>
@@ -3071,9 +3070,9 @@
           <a:bodyPr/>
           <a:lstStyle/>
           <a:p>
-            <a:fld id="{1EB9A8F2-31EA-43AC-ACD3-75F3895ABC56}" type="datetime1">
-              <a:rPr lang="de-BE" smtClean="0"/>
-              <a:t>19.12.2025</a:t>
+            <a:fld id="{88D989BF-AAE3-4648-9A84-8F1B447ED668}" type="datetime1">
+              <a:rPr lang="LID4096" smtClean="0"/>
+              <a:t>12/19/2025</a:t>
             </a:fld>
             <a:endParaRPr lang="de-BE"/>
           </a:p>
@@ -3314,9 +3313,9 @@
             </a:lvl1pPr>
           </a:lstStyle>
           <a:p>
-            <a:fld id="{C3CB038C-A817-45E9-ADD3-1570978984A5}" type="datetime1">
-              <a:rPr lang="de-BE" smtClean="0"/>
-              <a:t>19.12.2025</a:t>
+            <a:fld id="{AF7F2E93-0B2F-4A33-909D-978FDACD854A}" type="datetime1">
+              <a:rPr lang="LID4096" smtClean="0"/>
+              <a:t>12/19/2025</a:t>
             </a:fld>
             <a:endParaRPr lang="de-BE"/>
           </a:p>
@@ -4153,7 +4152,7 @@
           <p:cNvPr id="4" name="Foliennummernplatzhalter 3">
             <a:extLst>
               <a:ext uri="{FF2B5EF4-FFF2-40B4-BE49-F238E27FC236}">
-                <a16:creationId xmlns:a16="http://schemas.microsoft.com/office/drawing/2014/main" id="{5E76452F-AB80-646D-007C-D07A1800B0B3}"/>
+                <a16:creationId xmlns:a16="http://schemas.microsoft.com/office/drawing/2014/main" id="{F29481CC-7F1D-5546-EDCD-239B11C90A0A}"/>
               </a:ext>
             </a:extLst>
           </p:cNvPr>
@@ -4169,11 +4168,11 @@
           <a:bodyPr/>
           <a:lstStyle/>
           <a:p>
-            <a:fld id="{18FB693C-3D3E-4164-9FC0-E9F6868342D2}" type="slidenum">
-              <a:rPr lang="de-BE" smtClean="0"/>
+            <a:fld id="{1B6DBCE2-418B-4D32-B6B6-FF37670E6BE0}" type="slidenum">
+              <a:rPr lang="de-BE" sz="2000" smtClean="0"/>
               <a:t>1</a:t>
             </a:fld>
-            <a:endParaRPr lang="de-BE"/>
+            <a:endParaRPr lang="de-BE" sz="2000" dirty="0"/>
           </a:p>
         </p:txBody>
       </p:sp>
@@ -5160,7 +5159,7 @@
           <p:cNvPr id="4" name="Foliennummernplatzhalter 3">
             <a:extLst>
               <a:ext uri="{FF2B5EF4-FFF2-40B4-BE49-F238E27FC236}">
-                <a16:creationId xmlns:a16="http://schemas.microsoft.com/office/drawing/2014/main" id="{8A90B2A1-D39A-B1B3-3C5A-4C4919860690}"/>
+                <a16:creationId xmlns:a16="http://schemas.microsoft.com/office/drawing/2014/main" id="{944713D8-5406-CCEC-447A-BC2C4DDC5B79}"/>
               </a:ext>
             </a:extLst>
           </p:cNvPr>
@@ -5177,10 +5176,10 @@
           <a:lstStyle/>
           <a:p>
             <a:fld id="{18FB693C-3D3E-4164-9FC0-E9F6868342D2}" type="slidenum">
-              <a:rPr lang="de-BE" smtClean="0"/>
+              <a:rPr lang="de-BE" sz="2000" smtClean="0"/>
               <a:t>10</a:t>
             </a:fld>
-            <a:endParaRPr lang="de-BE"/>
+            <a:endParaRPr lang="de-BE" sz="2000" dirty="0"/>
           </a:p>
         </p:txBody>
       </p:sp>
@@ -6086,7 +6085,7 @@
           <p:cNvPr id="4" name="Foliennummernplatzhalter 3">
             <a:extLst>
               <a:ext uri="{FF2B5EF4-FFF2-40B4-BE49-F238E27FC236}">
-                <a16:creationId xmlns:a16="http://schemas.microsoft.com/office/drawing/2014/main" id="{961F63CD-BED5-A71C-BAF6-9850D7881F6E}"/>
+                <a16:creationId xmlns:a16="http://schemas.microsoft.com/office/drawing/2014/main" id="{35C09643-E7A6-C909-07DA-F13DA03A69F5}"/>
               </a:ext>
             </a:extLst>
           </p:cNvPr>
@@ -6103,10 +6102,10 @@
           <a:lstStyle/>
           <a:p>
             <a:fld id="{18FB693C-3D3E-4164-9FC0-E9F6868342D2}" type="slidenum">
-              <a:rPr lang="de-BE" smtClean="0"/>
+              <a:rPr lang="de-BE" sz="2000" smtClean="0"/>
               <a:t>11</a:t>
             </a:fld>
-            <a:endParaRPr lang="de-BE"/>
+            <a:endParaRPr lang="de-BE" sz="2000" dirty="0"/>
           </a:p>
         </p:txBody>
       </p:sp>
@@ -6905,7 +6904,7 @@
         </p:spPr>
         <p:txBody>
           <a:bodyPr>
-            <a:normAutofit fontScale="85000" lnSpcReduction="20000"/>
+            <a:normAutofit lnSpcReduction="10000"/>
           </a:bodyPr>
           <a:lstStyle/>
           <a:p>
@@ -7111,29 +7110,6 @@
               <a:t> Network Support</a:t>
             </a:r>
             <a:endParaRPr lang="de-DE" sz="2400" dirty="0"/>
-          </a:p>
-          <a:p>
-            <a:pPr marL="0" indent="0">
-              <a:buNone/>
-            </a:pPr>
-            <a:endParaRPr lang="de-DE" sz="2400" dirty="0">
-              <a:solidFill>
-                <a:schemeClr val="bg1"/>
-              </a:solidFill>
-            </a:endParaRPr>
-          </a:p>
-          <a:p>
-            <a:pPr marL="0" indent="0">
-              <a:buNone/>
-            </a:pPr>
-            <a:r>
-              <a:rPr lang="de-DE" sz="2400" dirty="0">
-                <a:solidFill>
-                  <a:schemeClr val="bg1"/>
-                </a:solidFill>
-              </a:rPr>
-              <a:t>Diese Präsentation wurde mithilfe von KI erstellt</a:t>
-            </a:r>
           </a:p>
           <a:p>
             <a:pPr marL="0" indent="0">
@@ -7148,7 +7124,7 @@
           <p:cNvPr id="4" name="Foliennummernplatzhalter 3">
             <a:extLst>
               <a:ext uri="{FF2B5EF4-FFF2-40B4-BE49-F238E27FC236}">
-                <a16:creationId xmlns:a16="http://schemas.microsoft.com/office/drawing/2014/main" id="{92FAEC2D-2AD5-4FBD-7032-C27EE8952E6C}"/>
+                <a16:creationId xmlns:a16="http://schemas.microsoft.com/office/drawing/2014/main" id="{5C84958E-344E-CE2A-984E-2D73A7A5D3AD}"/>
               </a:ext>
             </a:extLst>
           </p:cNvPr>
@@ -7165,10 +7141,10 @@
           <a:lstStyle/>
           <a:p>
             <a:fld id="{18FB693C-3D3E-4164-9FC0-E9F6868342D2}" type="slidenum">
-              <a:rPr lang="de-BE" smtClean="0"/>
+              <a:rPr lang="de-BE" sz="2000" smtClean="0"/>
               <a:t>12</a:t>
             </a:fld>
-            <a:endParaRPr lang="de-BE"/>
+            <a:endParaRPr lang="de-BE" sz="2000" dirty="0"/>
           </a:p>
         </p:txBody>
       </p:sp>
@@ -7984,7 +7960,7 @@
           <p:cNvPr id="4" name="Foliennummernplatzhalter 3">
             <a:extLst>
               <a:ext uri="{FF2B5EF4-FFF2-40B4-BE49-F238E27FC236}">
-                <a16:creationId xmlns:a16="http://schemas.microsoft.com/office/drawing/2014/main" id="{86F11C30-2A93-B772-37D6-8EAC35C7860D}"/>
+                <a16:creationId xmlns:a16="http://schemas.microsoft.com/office/drawing/2014/main" id="{7F5F6664-F9B6-0792-0A17-EC5FB09E8453}"/>
               </a:ext>
             </a:extLst>
           </p:cNvPr>
@@ -8001,10 +7977,10 @@
           <a:lstStyle/>
           <a:p>
             <a:fld id="{18FB693C-3D3E-4164-9FC0-E9F6868342D2}" type="slidenum">
-              <a:rPr lang="de-BE" smtClean="0"/>
+              <a:rPr lang="de-BE" sz="2000" smtClean="0"/>
               <a:t>13</a:t>
             </a:fld>
-            <a:endParaRPr lang="de-BE"/>
+            <a:endParaRPr lang="de-BE" sz="2000" dirty="0"/>
           </a:p>
         </p:txBody>
       </p:sp>
@@ -8139,7 +8115,7 @@
         </p:blipFill>
         <p:spPr bwMode="auto">
           <a:xfrm>
-            <a:off x="20" y="10"/>
+            <a:off x="0" y="0"/>
             <a:ext cx="12191980" cy="6857990"/>
           </a:xfrm>
           <a:prstGeom prst="rect">
@@ -8394,7 +8370,7 @@
           <p:cNvPr id="4" name="Foliennummernplatzhalter 3">
             <a:extLst>
               <a:ext uri="{FF2B5EF4-FFF2-40B4-BE49-F238E27FC236}">
-                <a16:creationId xmlns:a16="http://schemas.microsoft.com/office/drawing/2014/main" id="{74D5C65C-07BE-095D-5DDA-72977C701CF9}"/>
+                <a16:creationId xmlns:a16="http://schemas.microsoft.com/office/drawing/2014/main" id="{81B783B9-CD21-C9EC-3763-77768484F040}"/>
               </a:ext>
             </a:extLst>
           </p:cNvPr>
@@ -8411,10 +8387,10 @@
           <a:lstStyle/>
           <a:p>
             <a:fld id="{18FB693C-3D3E-4164-9FC0-E9F6868342D2}" type="slidenum">
-              <a:rPr lang="de-BE" smtClean="0"/>
+              <a:rPr lang="de-BE" sz="2000" smtClean="0"/>
               <a:t>2</a:t>
             </a:fld>
-            <a:endParaRPr lang="de-BE"/>
+            <a:endParaRPr lang="de-BE" sz="2000" dirty="0"/>
           </a:p>
         </p:txBody>
       </p:sp>
@@ -9328,7 +9304,7 @@
           <p:cNvPr id="4" name="Foliennummernplatzhalter 3">
             <a:extLst>
               <a:ext uri="{FF2B5EF4-FFF2-40B4-BE49-F238E27FC236}">
-                <a16:creationId xmlns:a16="http://schemas.microsoft.com/office/drawing/2014/main" id="{038EDC8B-F3A1-8363-35E1-2D2431072FD3}"/>
+                <a16:creationId xmlns:a16="http://schemas.microsoft.com/office/drawing/2014/main" id="{F627D822-6100-9352-7B7D-01713AD7C72F}"/>
               </a:ext>
             </a:extLst>
           </p:cNvPr>
@@ -9345,10 +9321,10 @@
           <a:lstStyle/>
           <a:p>
             <a:fld id="{18FB693C-3D3E-4164-9FC0-E9F6868342D2}" type="slidenum">
-              <a:rPr lang="de-BE" smtClean="0"/>
+              <a:rPr lang="de-BE" sz="2000" smtClean="0"/>
               <a:t>3</a:t>
             </a:fld>
-            <a:endParaRPr lang="de-BE"/>
+            <a:endParaRPr lang="de-BE" sz="2000" dirty="0"/>
           </a:p>
         </p:txBody>
       </p:sp>
@@ -10310,7 +10286,7 @@
           <p:cNvPr id="4" name="Foliennummernplatzhalter 3">
             <a:extLst>
               <a:ext uri="{FF2B5EF4-FFF2-40B4-BE49-F238E27FC236}">
-                <a16:creationId xmlns:a16="http://schemas.microsoft.com/office/drawing/2014/main" id="{C39671F9-6E79-A130-236B-D6EBAE92BA7C}"/>
+                <a16:creationId xmlns:a16="http://schemas.microsoft.com/office/drawing/2014/main" id="{ABCD91BC-CC49-99F7-6530-3CDD656C16DD}"/>
               </a:ext>
             </a:extLst>
           </p:cNvPr>
@@ -10327,10 +10303,10 @@
           <a:lstStyle/>
           <a:p>
             <a:fld id="{18FB693C-3D3E-4164-9FC0-E9F6868342D2}" type="slidenum">
-              <a:rPr lang="de-BE" smtClean="0"/>
+              <a:rPr lang="de-BE" sz="2000" smtClean="0"/>
               <a:t>4</a:t>
             </a:fld>
-            <a:endParaRPr lang="de-BE"/>
+            <a:endParaRPr lang="de-BE" sz="2000" dirty="0"/>
           </a:p>
         </p:txBody>
       </p:sp>
@@ -11362,7 +11338,7 @@
           <p:cNvPr id="4" name="Foliennummernplatzhalter 3">
             <a:extLst>
               <a:ext uri="{FF2B5EF4-FFF2-40B4-BE49-F238E27FC236}">
-                <a16:creationId xmlns:a16="http://schemas.microsoft.com/office/drawing/2014/main" id="{37CD90B7-34E2-3F96-8680-226F9E18C044}"/>
+                <a16:creationId xmlns:a16="http://schemas.microsoft.com/office/drawing/2014/main" id="{4DB8287E-57CB-1E51-D3D7-424ED18E9C30}"/>
               </a:ext>
             </a:extLst>
           </p:cNvPr>
@@ -11379,10 +11355,10 @@
           <a:lstStyle/>
           <a:p>
             <a:fld id="{18FB693C-3D3E-4164-9FC0-E9F6868342D2}" type="slidenum">
-              <a:rPr lang="de-BE" smtClean="0"/>
+              <a:rPr lang="de-BE" sz="2000" smtClean="0"/>
               <a:t>5</a:t>
             </a:fld>
-            <a:endParaRPr lang="de-BE"/>
+            <a:endParaRPr lang="de-BE" sz="2000" dirty="0"/>
           </a:p>
         </p:txBody>
       </p:sp>
@@ -12293,7 +12269,7 @@
           <p:cNvPr id="4" name="Foliennummernplatzhalter 3">
             <a:extLst>
               <a:ext uri="{FF2B5EF4-FFF2-40B4-BE49-F238E27FC236}">
-                <a16:creationId xmlns:a16="http://schemas.microsoft.com/office/drawing/2014/main" id="{6BF21557-220A-DB95-EB73-332A41D9669E}"/>
+                <a16:creationId xmlns:a16="http://schemas.microsoft.com/office/drawing/2014/main" id="{6B24FBB8-2918-6681-CAE7-585BC9D1860A}"/>
               </a:ext>
             </a:extLst>
           </p:cNvPr>
@@ -12310,10 +12286,10 @@
           <a:lstStyle/>
           <a:p>
             <a:fld id="{18FB693C-3D3E-4164-9FC0-E9F6868342D2}" type="slidenum">
-              <a:rPr lang="de-BE" smtClean="0"/>
+              <a:rPr lang="de-BE" sz="2000" smtClean="0"/>
               <a:t>6</a:t>
             </a:fld>
-            <a:endParaRPr lang="de-BE"/>
+            <a:endParaRPr lang="de-BE" sz="2000" dirty="0"/>
           </a:p>
         </p:txBody>
       </p:sp>
@@ -13269,7 +13245,7 @@
           <p:cNvPr id="4" name="Foliennummernplatzhalter 3">
             <a:extLst>
               <a:ext uri="{FF2B5EF4-FFF2-40B4-BE49-F238E27FC236}">
-                <a16:creationId xmlns:a16="http://schemas.microsoft.com/office/drawing/2014/main" id="{D611B616-EC7D-35E0-491F-E39858D63917}"/>
+                <a16:creationId xmlns:a16="http://schemas.microsoft.com/office/drawing/2014/main" id="{2006AE3C-38B2-E699-03C9-94D27FBAA48B}"/>
               </a:ext>
             </a:extLst>
           </p:cNvPr>
@@ -13286,10 +13262,10 @@
           <a:lstStyle/>
           <a:p>
             <a:fld id="{18FB693C-3D3E-4164-9FC0-E9F6868342D2}" type="slidenum">
-              <a:rPr lang="de-BE" smtClean="0"/>
+              <a:rPr lang="de-BE" sz="2000" smtClean="0"/>
               <a:t>7</a:t>
             </a:fld>
-            <a:endParaRPr lang="de-BE"/>
+            <a:endParaRPr lang="de-BE" sz="2000" dirty="0"/>
           </a:p>
         </p:txBody>
       </p:sp>
@@ -14288,7 +14264,7 @@
           <p:cNvPr id="4" name="Foliennummernplatzhalter 3">
             <a:extLst>
               <a:ext uri="{FF2B5EF4-FFF2-40B4-BE49-F238E27FC236}">
-                <a16:creationId xmlns:a16="http://schemas.microsoft.com/office/drawing/2014/main" id="{57299C70-7351-0367-1B01-0C800D3C59A4}"/>
+                <a16:creationId xmlns:a16="http://schemas.microsoft.com/office/drawing/2014/main" id="{FE291A81-98AF-61B7-2E00-0030BA59D738}"/>
               </a:ext>
             </a:extLst>
           </p:cNvPr>
@@ -14305,10 +14281,10 @@
           <a:lstStyle/>
           <a:p>
             <a:fld id="{18FB693C-3D3E-4164-9FC0-E9F6868342D2}" type="slidenum">
-              <a:rPr lang="de-BE" smtClean="0"/>
+              <a:rPr lang="de-BE" sz="2000" smtClean="0"/>
               <a:t>8</a:t>
             </a:fld>
-            <a:endParaRPr lang="de-BE"/>
+            <a:endParaRPr lang="de-BE" sz="2000" dirty="0"/>
           </a:p>
         </p:txBody>
       </p:sp>
@@ -15312,7 +15288,7 @@
           <p:cNvPr id="4" name="Foliennummernplatzhalter 3">
             <a:extLst>
               <a:ext uri="{FF2B5EF4-FFF2-40B4-BE49-F238E27FC236}">
-                <a16:creationId xmlns:a16="http://schemas.microsoft.com/office/drawing/2014/main" id="{75559F51-7D95-1CE6-30AD-A1146A9F0C7E}"/>
+                <a16:creationId xmlns:a16="http://schemas.microsoft.com/office/drawing/2014/main" id="{D55877D4-AED0-5BC9-67B5-129D67107D12}"/>
               </a:ext>
             </a:extLst>
           </p:cNvPr>
@@ -15329,10 +15305,10 @@
           <a:lstStyle/>
           <a:p>
             <a:fld id="{18FB693C-3D3E-4164-9FC0-E9F6868342D2}" type="slidenum">
-              <a:rPr lang="de-BE" smtClean="0"/>
+              <a:rPr lang="de-BE" sz="2000" smtClean="0"/>
               <a:t>9</a:t>
             </a:fld>
-            <a:endParaRPr lang="de-BE"/>
+            <a:endParaRPr lang="de-BE" sz="2000" dirty="0"/>
           </a:p>
         </p:txBody>
       </p:sp>
